--- a/Emotional Intelligence.pptx
+++ b/Emotional Intelligence.pptx
@@ -5,13 +5,14 @@
     <p:sldMasterId id="2147483654" r:id="rId1"/>
   </p:sldMasterIdLst>
   <p:notesMasterIdLst>
-    <p:notesMasterId r:id="rId6"/>
+    <p:notesMasterId r:id="rId7"/>
   </p:notesMasterIdLst>
   <p:sldIdLst>
     <p:sldId id="256" r:id="rId2"/>
     <p:sldId id="258" r:id="rId3"/>
     <p:sldId id="313" r:id="rId4"/>
-    <p:sldId id="312" r:id="rId5"/>
+    <p:sldId id="314" r:id="rId5"/>
+    <p:sldId id="312" r:id="rId6"/>
   </p:sldIdLst>
   <p:sldSz cx="9144000" cy="5143500" type="screen16x9"/>
   <p:notesSz cx="6858000" cy="9144000"/>
@@ -860,6 +861,122 @@
 </file>
 
 <file path=ppt/notesSlides/notesSlide4.xml><?xml version="1.0" encoding="utf-8"?>
+<p:notes xmlns:a="http://schemas.openxmlformats.org/drawingml/2006/main" xmlns:r="http://schemas.openxmlformats.org/officeDocument/2006/relationships" xmlns:p="http://schemas.openxmlformats.org/presentationml/2006/main" showMasterSp="0" showMasterPhAnim="0">
+  <p:cSld>
+    <p:spTree>
+      <p:nvGrpSpPr>
+        <p:cNvPr id="1" name="Shape 44"/>
+        <p:cNvGrpSpPr/>
+        <p:nvPr/>
+      </p:nvGrpSpPr>
+      <p:grpSpPr>
+        <a:xfrm>
+          <a:off x="0" y="0"/>
+          <a:ext cx="0" cy="0"/>
+          <a:chOff x="0" y="0"/>
+          <a:chExt cx="0" cy="0"/>
+        </a:xfrm>
+      </p:grpSpPr>
+      <p:sp>
+        <p:nvSpPr>
+          <p:cNvPr id="45" name="Shape 45"/>
+          <p:cNvSpPr>
+            <a:spLocks noGrp="1" noRot="1" noChangeAspect="1"/>
+          </p:cNvSpPr>
+          <p:nvPr>
+            <p:ph type="sldImg" idx="2"/>
+          </p:nvPr>
+        </p:nvSpPr>
+        <p:spPr>
+          <a:xfrm>
+            <a:off x="381000" y="685800"/>
+            <a:ext cx="6096000" cy="3429000"/>
+          </a:xfrm>
+          <a:custGeom>
+            <a:avLst/>
+            <a:gdLst/>
+            <a:ahLst/>
+            <a:cxnLst/>
+            <a:rect l="0" t="0" r="0" b="0"/>
+            <a:pathLst>
+              <a:path w="120000" h="120000" extrusionOk="0">
+                <a:moveTo>
+                  <a:pt x="0" y="0"/>
+                </a:moveTo>
+                <a:lnTo>
+                  <a:pt x="120000" y="0"/>
+                </a:lnTo>
+                <a:lnTo>
+                  <a:pt x="120000" y="120000"/>
+                </a:lnTo>
+                <a:lnTo>
+                  <a:pt x="0" y="120000"/>
+                </a:lnTo>
+                <a:close/>
+              </a:path>
+            </a:pathLst>
+          </a:custGeom>
+          <a:noFill/>
+          <a:ln w="9525" cap="flat" cmpd="sng">
+            <a:solidFill>
+              <a:srgbClr val="000000"/>
+            </a:solidFill>
+            <a:prstDash val="solid"/>
+            <a:round/>
+            <a:headEnd type="none" w="med" len="med"/>
+            <a:tailEnd type="none" w="med" len="med"/>
+          </a:ln>
+        </p:spPr>
+      </p:sp>
+      <p:sp>
+        <p:nvSpPr>
+          <p:cNvPr id="46" name="Shape 46"/>
+          <p:cNvSpPr txBox="1">
+            <a:spLocks noGrp="1"/>
+          </p:cNvSpPr>
+          <p:nvPr>
+            <p:ph type="body" idx="1"/>
+          </p:nvPr>
+        </p:nvSpPr>
+        <p:spPr>
+          <a:xfrm>
+            <a:off x="685800" y="4343400"/>
+            <a:ext cx="5486399" cy="4114800"/>
+          </a:xfrm>
+          <a:prstGeom prst="rect">
+            <a:avLst/>
+          </a:prstGeom>
+        </p:spPr>
+        <p:txBody>
+          <a:bodyPr lIns="91425" tIns="91425" rIns="91425" bIns="91425" anchor="t" anchorCtr="0">
+            <a:noAutofit/>
+          </a:bodyPr>
+          <a:lstStyle/>
+          <a:p>
+            <a:pPr>
+              <a:spcBef>
+                <a:spcPts val="0"/>
+              </a:spcBef>
+              <a:buNone/>
+            </a:pPr>
+            <a:endParaRPr/>
+          </a:p>
+        </p:txBody>
+      </p:sp>
+    </p:spTree>
+    <p:extLst>
+      <p:ext uri="{BB962C8B-B14F-4D97-AF65-F5344CB8AC3E}">
+        <p14:creationId xmlns:p14="http://schemas.microsoft.com/office/powerpoint/2010/main" val="2167556990"/>
+      </p:ext>
+    </p:extLst>
+  </p:cSld>
+  <p:clrMapOvr>
+    <a:masterClrMapping/>
+  </p:clrMapOvr>
+</p:notes>
+</file>
+
+<file path=ppt/notesSlides/notesSlide5.xml><?xml version="1.0" encoding="utf-8"?>
 <p:notes xmlns:a="http://schemas.openxmlformats.org/drawingml/2006/main" xmlns:r="http://schemas.openxmlformats.org/officeDocument/2006/relationships" xmlns:p="http://schemas.openxmlformats.org/presentationml/2006/main" showMasterSp="0" showMasterPhAnim="0">
   <p:cSld>
     <p:spTree>
@@ -3394,7 +3511,79 @@
               <a:buFont typeface="Arial"/>
               <a:buChar char="●"/>
             </a:pPr>
+            <a:r>
+              <a:rPr lang="en-US" sz="2400" dirty="0"/>
+              <a:t>Know your emotions</a:t>
+            </a:r>
+          </a:p>
+          <a:p>
+            <a:pPr marL="457200" lvl="0" indent="-419100">
+              <a:buClr>
+                <a:srgbClr val="000000"/>
+              </a:buClr>
+              <a:buFont typeface="Arial"/>
+              <a:buChar char="●"/>
+            </a:pPr>
             <a:endParaRPr lang="en-US" sz="2400" dirty="0"/>
+          </a:p>
+          <a:p>
+            <a:pPr marL="457200" lvl="0" indent="-419100">
+              <a:buClr>
+                <a:srgbClr val="000000"/>
+              </a:buClr>
+              <a:buFont typeface="Arial"/>
+              <a:buChar char="●"/>
+            </a:pPr>
+            <a:r>
+              <a:rPr lang="en-US" sz="2400" dirty="0"/>
+              <a:t>Know yourself</a:t>
+            </a:r>
+          </a:p>
+          <a:p>
+            <a:pPr marL="457200" lvl="0" indent="-419100">
+              <a:buClr>
+                <a:srgbClr val="000000"/>
+              </a:buClr>
+              <a:buFont typeface="Arial"/>
+              <a:buChar char="●"/>
+            </a:pPr>
+            <a:endParaRPr lang="en-US" sz="2400" dirty="0"/>
+          </a:p>
+          <a:p>
+            <a:pPr marL="457200" lvl="0" indent="-419100">
+              <a:buClr>
+                <a:srgbClr val="000000"/>
+              </a:buClr>
+              <a:buFont typeface="Arial"/>
+              <a:buChar char="●"/>
+            </a:pPr>
+            <a:r>
+              <a:rPr lang="en-US" sz="2400" dirty="0"/>
+              <a:t>Knowing one’s strengths</a:t>
+            </a:r>
+          </a:p>
+          <a:p>
+            <a:pPr marL="457200" lvl="0" indent="-419100">
+              <a:buClr>
+                <a:srgbClr val="000000"/>
+              </a:buClr>
+              <a:buFont typeface="Arial"/>
+              <a:buChar char="●"/>
+            </a:pPr>
+            <a:endParaRPr lang="en-US" sz="2400" dirty="0"/>
+          </a:p>
+          <a:p>
+            <a:pPr marL="457200" lvl="0" indent="-419100">
+              <a:buClr>
+                <a:srgbClr val="000000"/>
+              </a:buClr>
+              <a:buFont typeface="Arial"/>
+              <a:buChar char="●"/>
+            </a:pPr>
+            <a:r>
+              <a:rPr lang="en-US" sz="2400" dirty="0"/>
+              <a:t>Knowing one’s areas of improvements</a:t>
+            </a:r>
           </a:p>
         </p:txBody>
       </p:sp>
@@ -3415,6 +3604,469 @@
 </file>
 
 <file path=ppt/slides/slide4.xml><?xml version="1.0" encoding="utf-8"?>
+<p:sld xmlns:a="http://schemas.openxmlformats.org/drawingml/2006/main" xmlns:r="http://schemas.openxmlformats.org/officeDocument/2006/relationships" xmlns:p="http://schemas.openxmlformats.org/presentationml/2006/main">
+  <p:cSld>
+    <p:spTree>
+      <p:nvGrpSpPr>
+        <p:cNvPr id="1" name="Shape 41"/>
+        <p:cNvGrpSpPr/>
+        <p:nvPr/>
+      </p:nvGrpSpPr>
+      <p:grpSpPr>
+        <a:xfrm>
+          <a:off x="0" y="0"/>
+          <a:ext cx="0" cy="0"/>
+          <a:chOff x="0" y="0"/>
+          <a:chExt cx="0" cy="0"/>
+        </a:xfrm>
+      </p:grpSpPr>
+      <p:pic>
+        <p:nvPicPr>
+          <p:cNvPr id="1028" name="Picture 4" descr="Image result for sachin tendulkar">
+            <a:extLst>
+              <a:ext uri="{FF2B5EF4-FFF2-40B4-BE49-F238E27FC236}">
+                <a16:creationId xmlns:a16="http://schemas.microsoft.com/office/drawing/2014/main" id="{1C35B24F-AE9D-441A-8038-477E71EE4543}"/>
+              </a:ext>
+            </a:extLst>
+          </p:cNvPr>
+          <p:cNvPicPr>
+            <a:picLocks noChangeAspect="1" noChangeArrowheads="1"/>
+          </p:cNvPicPr>
+          <p:nvPr/>
+        </p:nvPicPr>
+        <p:blipFill>
+          <a:blip r:embed="rId3">
+            <a:extLst>
+              <a:ext uri="{28A0092B-C50C-407E-A947-70E740481C1C}">
+                <a14:useLocalDpi xmlns:a14="http://schemas.microsoft.com/office/drawing/2010/main" val="0"/>
+              </a:ext>
+            </a:extLst>
+          </a:blip>
+          <a:srcRect/>
+          <a:stretch>
+            <a:fillRect/>
+          </a:stretch>
+        </p:blipFill>
+        <p:spPr bwMode="auto">
+          <a:xfrm>
+            <a:off x="533400" y="666750"/>
+            <a:ext cx="2847975" cy="1609725"/>
+          </a:xfrm>
+          <a:prstGeom prst="rect">
+            <a:avLst/>
+          </a:prstGeom>
+          <a:noFill/>
+          <a:extLst>
+            <a:ext uri="{909E8E84-426E-40DD-AFC4-6F175D3DCCD1}">
+              <a14:hiddenFill xmlns:a14="http://schemas.microsoft.com/office/drawing/2010/main">
+                <a:solidFill>
+                  <a:srgbClr val="FFFFFF"/>
+                </a:solidFill>
+              </a14:hiddenFill>
+            </a:ext>
+          </a:extLst>
+        </p:spPr>
+      </p:pic>
+      <p:pic>
+        <p:nvPicPr>
+          <p:cNvPr id="1030" name="Picture 6" descr="Image result">
+            <a:extLst>
+              <a:ext uri="{FF2B5EF4-FFF2-40B4-BE49-F238E27FC236}">
+                <a16:creationId xmlns:a16="http://schemas.microsoft.com/office/drawing/2014/main" id="{808ECC4C-D98E-4821-9FA0-0BFE97393569}"/>
+              </a:ext>
+            </a:extLst>
+          </p:cNvPr>
+          <p:cNvPicPr>
+            <a:picLocks noChangeAspect="1" noChangeArrowheads="1"/>
+          </p:cNvPicPr>
+          <p:nvPr/>
+        </p:nvPicPr>
+        <p:blipFill>
+          <a:blip r:embed="rId4">
+            <a:extLst>
+              <a:ext uri="{28A0092B-C50C-407E-A947-70E740481C1C}">
+                <a14:useLocalDpi xmlns:a14="http://schemas.microsoft.com/office/drawing/2010/main" val="0"/>
+              </a:ext>
+            </a:extLst>
+          </a:blip>
+          <a:srcRect/>
+          <a:stretch>
+            <a:fillRect/>
+          </a:stretch>
+        </p:blipFill>
+        <p:spPr bwMode="auto">
+          <a:xfrm>
+            <a:off x="762000" y="2647950"/>
+            <a:ext cx="2466975" cy="1847850"/>
+          </a:xfrm>
+          <a:prstGeom prst="rect">
+            <a:avLst/>
+          </a:prstGeom>
+          <a:noFill/>
+          <a:extLst>
+            <a:ext uri="{909E8E84-426E-40DD-AFC4-6F175D3DCCD1}">
+              <a14:hiddenFill xmlns:a14="http://schemas.microsoft.com/office/drawing/2010/main">
+                <a:solidFill>
+                  <a:srgbClr val="FFFFFF"/>
+                </a:solidFill>
+              </a14:hiddenFill>
+            </a:ext>
+          </a:extLst>
+        </p:spPr>
+      </p:pic>
+      <p:pic>
+        <p:nvPicPr>
+          <p:cNvPr id="1036" name="Picture 12" descr="Image result for spock">
+            <a:extLst>
+              <a:ext uri="{FF2B5EF4-FFF2-40B4-BE49-F238E27FC236}">
+                <a16:creationId xmlns:a16="http://schemas.microsoft.com/office/drawing/2014/main" id="{50C2E6B1-B3FE-4AF8-A1D7-D73CC267F258}"/>
+              </a:ext>
+            </a:extLst>
+          </p:cNvPr>
+          <p:cNvPicPr>
+            <a:picLocks noChangeAspect="1" noChangeArrowheads="1"/>
+          </p:cNvPicPr>
+          <p:nvPr/>
+        </p:nvPicPr>
+        <p:blipFill>
+          <a:blip r:embed="rId5">
+            <a:extLst>
+              <a:ext uri="{28A0092B-C50C-407E-A947-70E740481C1C}">
+                <a14:useLocalDpi xmlns:a14="http://schemas.microsoft.com/office/drawing/2010/main" val="0"/>
+              </a:ext>
+            </a:extLst>
+          </a:blip>
+          <a:srcRect/>
+          <a:stretch>
+            <a:fillRect/>
+          </a:stretch>
+        </p:blipFill>
+        <p:spPr bwMode="auto">
+          <a:xfrm>
+            <a:off x="3962400" y="819150"/>
+            <a:ext cx="1619250" cy="1971675"/>
+          </a:xfrm>
+          <a:prstGeom prst="rect">
+            <a:avLst/>
+          </a:prstGeom>
+          <a:noFill/>
+          <a:extLst>
+            <a:ext uri="{909E8E84-426E-40DD-AFC4-6F175D3DCCD1}">
+              <a14:hiddenFill xmlns:a14="http://schemas.microsoft.com/office/drawing/2010/main">
+                <a:solidFill>
+                  <a:srgbClr val="FFFFFF"/>
+                </a:solidFill>
+              </a14:hiddenFill>
+            </a:ext>
+          </a:extLst>
+        </p:spPr>
+      </p:pic>
+      <p:pic>
+        <p:nvPicPr>
+          <p:cNvPr id="1040" name="Picture 16" descr="Image result for captain kirk">
+            <a:extLst>
+              <a:ext uri="{FF2B5EF4-FFF2-40B4-BE49-F238E27FC236}">
+                <a16:creationId xmlns:a16="http://schemas.microsoft.com/office/drawing/2014/main" id="{D32BBA39-3A32-4358-B38A-0801D7386624}"/>
+              </a:ext>
+            </a:extLst>
+          </p:cNvPr>
+          <p:cNvPicPr>
+            <a:picLocks noChangeAspect="1" noChangeArrowheads="1"/>
+          </p:cNvPicPr>
+          <p:nvPr/>
+        </p:nvPicPr>
+        <p:blipFill>
+          <a:blip r:embed="rId6">
+            <a:extLst>
+              <a:ext uri="{28A0092B-C50C-407E-A947-70E740481C1C}">
+                <a14:useLocalDpi xmlns:a14="http://schemas.microsoft.com/office/drawing/2010/main" val="0"/>
+              </a:ext>
+            </a:extLst>
+          </a:blip>
+          <a:srcRect/>
+          <a:stretch>
+            <a:fillRect/>
+          </a:stretch>
+        </p:blipFill>
+        <p:spPr bwMode="auto">
+          <a:xfrm>
+            <a:off x="5486400" y="2952750"/>
+            <a:ext cx="2889250" cy="1733550"/>
+          </a:xfrm>
+          <a:prstGeom prst="rect">
+            <a:avLst/>
+          </a:prstGeom>
+          <a:noFill/>
+          <a:extLst>
+            <a:ext uri="{909E8E84-426E-40DD-AFC4-6F175D3DCCD1}">
+              <a14:hiddenFill xmlns:a14="http://schemas.microsoft.com/office/drawing/2010/main">
+                <a:solidFill>
+                  <a:srgbClr val="FFFFFF"/>
+                </a:solidFill>
+              </a14:hiddenFill>
+            </a:ext>
+          </a:extLst>
+        </p:spPr>
+      </p:pic>
+    </p:spTree>
+    <p:extLst>
+      <p:ext uri="{BB962C8B-B14F-4D97-AF65-F5344CB8AC3E}">
+        <p14:creationId xmlns:p14="http://schemas.microsoft.com/office/powerpoint/2010/main" val="291536682"/>
+      </p:ext>
+    </p:extLst>
+  </p:cSld>
+  <p:clrMapOvr>
+    <a:masterClrMapping/>
+  </p:clrMapOvr>
+  <p:transition spd="slow">
+    <p:cut/>
+  </p:transition>
+  <p:timing>
+    <p:tnLst>
+      <p:par>
+        <p:cTn id="1" dur="indefinite" restart="never" nodeType="tmRoot">
+          <p:childTnLst>
+            <p:seq concurrent="1" nextAc="seek">
+              <p:cTn id="2" dur="indefinite" nodeType="mainSeq">
+                <p:childTnLst>
+                  <p:par>
+                    <p:cTn id="3" fill="hold">
+                      <p:stCondLst>
+                        <p:cond delay="indefinite"/>
+                      </p:stCondLst>
+                      <p:childTnLst>
+                        <p:par>
+                          <p:cTn id="4" fill="hold">
+                            <p:stCondLst>
+                              <p:cond delay="0"/>
+                            </p:stCondLst>
+                            <p:childTnLst>
+                              <p:par>
+                                <p:cTn id="5" presetID="10" presetClass="entr" presetSubtype="0" fill="hold" nodeType="clickEffect">
+                                  <p:stCondLst>
+                                    <p:cond delay="0"/>
+                                  </p:stCondLst>
+                                  <p:childTnLst>
+                                    <p:set>
+                                      <p:cBhvr>
+                                        <p:cTn id="6" dur="1" fill="hold">
+                                          <p:stCondLst>
+                                            <p:cond delay="0"/>
+                                          </p:stCondLst>
+                                        </p:cTn>
+                                        <p:tgtEl>
+                                          <p:spTgt spid="1028"/>
+                                        </p:tgtEl>
+                                        <p:attrNameLst>
+                                          <p:attrName>style.visibility</p:attrName>
+                                        </p:attrNameLst>
+                                      </p:cBhvr>
+                                      <p:to>
+                                        <p:strVal val="visible"/>
+                                      </p:to>
+                                    </p:set>
+                                    <p:animEffect transition="in" filter="fade">
+                                      <p:cBhvr>
+                                        <p:cTn id="7" dur="500"/>
+                                        <p:tgtEl>
+                                          <p:spTgt spid="1028"/>
+                                        </p:tgtEl>
+                                      </p:cBhvr>
+                                    </p:animEffect>
+                                  </p:childTnLst>
+                                </p:cTn>
+                              </p:par>
+                            </p:childTnLst>
+                          </p:cTn>
+                        </p:par>
+                      </p:childTnLst>
+                    </p:cTn>
+                  </p:par>
+                  <p:par>
+                    <p:cTn id="8" fill="hold">
+                      <p:stCondLst>
+                        <p:cond delay="indefinite"/>
+                      </p:stCondLst>
+                      <p:childTnLst>
+                        <p:par>
+                          <p:cTn id="9" fill="hold">
+                            <p:stCondLst>
+                              <p:cond delay="0"/>
+                            </p:stCondLst>
+                            <p:childTnLst>
+                              <p:par>
+                                <p:cTn id="10" presetID="10" presetClass="entr" presetSubtype="0" fill="hold" nodeType="clickEffect">
+                                  <p:stCondLst>
+                                    <p:cond delay="0"/>
+                                  </p:stCondLst>
+                                  <p:childTnLst>
+                                    <p:set>
+                                      <p:cBhvr>
+                                        <p:cTn id="11" dur="1" fill="hold">
+                                          <p:stCondLst>
+                                            <p:cond delay="0"/>
+                                          </p:stCondLst>
+                                        </p:cTn>
+                                        <p:tgtEl>
+                                          <p:spTgt spid="1030"/>
+                                        </p:tgtEl>
+                                        <p:attrNameLst>
+                                          <p:attrName>style.visibility</p:attrName>
+                                        </p:attrNameLst>
+                                      </p:cBhvr>
+                                      <p:to>
+                                        <p:strVal val="visible"/>
+                                      </p:to>
+                                    </p:set>
+                                    <p:animEffect transition="in" filter="fade">
+                                      <p:cBhvr>
+                                        <p:cTn id="12" dur="500"/>
+                                        <p:tgtEl>
+                                          <p:spTgt spid="1030"/>
+                                        </p:tgtEl>
+                                      </p:cBhvr>
+                                    </p:animEffect>
+                                  </p:childTnLst>
+                                </p:cTn>
+                              </p:par>
+                            </p:childTnLst>
+                          </p:cTn>
+                        </p:par>
+                      </p:childTnLst>
+                    </p:cTn>
+                  </p:par>
+                  <p:par>
+                    <p:cTn id="13" fill="hold">
+                      <p:stCondLst>
+                        <p:cond delay="indefinite"/>
+                      </p:stCondLst>
+                      <p:childTnLst>
+                        <p:par>
+                          <p:cTn id="14" fill="hold">
+                            <p:stCondLst>
+                              <p:cond delay="0"/>
+                            </p:stCondLst>
+                            <p:childTnLst>
+                              <p:par>
+                                <p:cTn id="15" presetID="10" presetClass="entr" presetSubtype="0" fill="hold" nodeType="clickEffect">
+                                  <p:stCondLst>
+                                    <p:cond delay="0"/>
+                                  </p:stCondLst>
+                                  <p:childTnLst>
+                                    <p:set>
+                                      <p:cBhvr>
+                                        <p:cTn id="16" dur="1" fill="hold">
+                                          <p:stCondLst>
+                                            <p:cond delay="0"/>
+                                          </p:stCondLst>
+                                        </p:cTn>
+                                        <p:tgtEl>
+                                          <p:spTgt spid="1036"/>
+                                        </p:tgtEl>
+                                        <p:attrNameLst>
+                                          <p:attrName>style.visibility</p:attrName>
+                                        </p:attrNameLst>
+                                      </p:cBhvr>
+                                      <p:to>
+                                        <p:strVal val="visible"/>
+                                      </p:to>
+                                    </p:set>
+                                    <p:animEffect transition="in" filter="fade">
+                                      <p:cBhvr>
+                                        <p:cTn id="17" dur="500"/>
+                                        <p:tgtEl>
+                                          <p:spTgt spid="1036"/>
+                                        </p:tgtEl>
+                                      </p:cBhvr>
+                                    </p:animEffect>
+                                  </p:childTnLst>
+                                </p:cTn>
+                              </p:par>
+                            </p:childTnLst>
+                          </p:cTn>
+                        </p:par>
+                      </p:childTnLst>
+                    </p:cTn>
+                  </p:par>
+                  <p:par>
+                    <p:cTn id="18" fill="hold">
+                      <p:stCondLst>
+                        <p:cond delay="indefinite"/>
+                      </p:stCondLst>
+                      <p:childTnLst>
+                        <p:par>
+                          <p:cTn id="19" fill="hold">
+                            <p:stCondLst>
+                              <p:cond delay="0"/>
+                            </p:stCondLst>
+                            <p:childTnLst>
+                              <p:par>
+                                <p:cTn id="20" presetID="10" presetClass="entr" presetSubtype="0" fill="hold" nodeType="clickEffect">
+                                  <p:stCondLst>
+                                    <p:cond delay="0"/>
+                                  </p:stCondLst>
+                                  <p:childTnLst>
+                                    <p:set>
+                                      <p:cBhvr>
+                                        <p:cTn id="21" dur="1" fill="hold">
+                                          <p:stCondLst>
+                                            <p:cond delay="0"/>
+                                          </p:stCondLst>
+                                        </p:cTn>
+                                        <p:tgtEl>
+                                          <p:spTgt spid="1040"/>
+                                        </p:tgtEl>
+                                        <p:attrNameLst>
+                                          <p:attrName>style.visibility</p:attrName>
+                                        </p:attrNameLst>
+                                      </p:cBhvr>
+                                      <p:to>
+                                        <p:strVal val="visible"/>
+                                      </p:to>
+                                    </p:set>
+                                    <p:animEffect transition="in" filter="fade">
+                                      <p:cBhvr>
+                                        <p:cTn id="22" dur="500"/>
+                                        <p:tgtEl>
+                                          <p:spTgt spid="1040"/>
+                                        </p:tgtEl>
+                                      </p:cBhvr>
+                                    </p:animEffect>
+                                  </p:childTnLst>
+                                </p:cTn>
+                              </p:par>
+                            </p:childTnLst>
+                          </p:cTn>
+                        </p:par>
+                      </p:childTnLst>
+                    </p:cTn>
+                  </p:par>
+                </p:childTnLst>
+              </p:cTn>
+              <p:prevCondLst>
+                <p:cond evt="onPrev" delay="0">
+                  <p:tgtEl>
+                    <p:sldTgt/>
+                  </p:tgtEl>
+                </p:cond>
+              </p:prevCondLst>
+              <p:nextCondLst>
+                <p:cond evt="onNext" delay="0">
+                  <p:tgtEl>
+                    <p:sldTgt/>
+                  </p:tgtEl>
+                </p:cond>
+              </p:nextCondLst>
+            </p:seq>
+          </p:childTnLst>
+        </p:cTn>
+      </p:par>
+    </p:tnLst>
+  </p:timing>
+</p:sld>
+</file>
+
+<file path=ppt/slides/slide5.xml><?xml version="1.0" encoding="utf-8"?>
 <p:sld xmlns:a="http://schemas.openxmlformats.org/drawingml/2006/main" xmlns:r="http://schemas.openxmlformats.org/officeDocument/2006/relationships" xmlns:p="http://schemas.openxmlformats.org/presentationml/2006/main">
   <p:cSld>
     <p:spTree>
